--- a/College Database Management System Final.pptx
+++ b/College Database Management System Final.pptx
@@ -311,7 +311,7 @@
           <a:p>
             <a:fld id="{1DB4BF2C-07DE-41DB-8809-2375A0711E9C}" type="datetimeFigureOut">
               <a:rPr lang="en-US" smtClean="0"/>
-              <a:t>4/21/2020</a:t>
+              <a:t>8/16/2020</a:t>
             </a:fld>
             <a:endParaRPr lang="en-US"/>
           </a:p>
@@ -709,7 +709,7 @@
           <a:p>
             <a:fld id="{7E1394AA-CB88-43C1-A50B-E1747EAA0E3F}" type="datetimeFigureOut">
               <a:rPr lang="en-IN" smtClean="0"/>
-              <a:t>21-04-2020</a:t>
+              <a:t>16-08-2020</a:t>
             </a:fld>
             <a:endParaRPr lang="en-IN" dirty="0"/>
           </a:p>
@@ -879,7 +879,7 @@
           <a:p>
             <a:fld id="{7E1394AA-CB88-43C1-A50B-E1747EAA0E3F}" type="datetimeFigureOut">
               <a:rPr lang="en-IN" smtClean="0"/>
-              <a:t>21-04-2020</a:t>
+              <a:t>16-08-2020</a:t>
             </a:fld>
             <a:endParaRPr lang="en-IN" dirty="0"/>
           </a:p>
@@ -1059,7 +1059,7 @@
           <a:p>
             <a:fld id="{7E1394AA-CB88-43C1-A50B-E1747EAA0E3F}" type="datetimeFigureOut">
               <a:rPr lang="en-IN" smtClean="0"/>
-              <a:t>21-04-2020</a:t>
+              <a:t>16-08-2020</a:t>
             </a:fld>
             <a:endParaRPr lang="en-IN" dirty="0"/>
           </a:p>
@@ -1229,7 +1229,7 @@
           <a:p>
             <a:fld id="{7E1394AA-CB88-43C1-A50B-E1747EAA0E3F}" type="datetimeFigureOut">
               <a:rPr lang="en-IN" smtClean="0"/>
-              <a:t>21-04-2020</a:t>
+              <a:t>16-08-2020</a:t>
             </a:fld>
             <a:endParaRPr lang="en-IN" dirty="0"/>
           </a:p>
@@ -1475,7 +1475,7 @@
           <a:p>
             <a:fld id="{7E1394AA-CB88-43C1-A50B-E1747EAA0E3F}" type="datetimeFigureOut">
               <a:rPr lang="en-IN" smtClean="0"/>
-              <a:t>21-04-2020</a:t>
+              <a:t>16-08-2020</a:t>
             </a:fld>
             <a:endParaRPr lang="en-IN" dirty="0"/>
           </a:p>
@@ -1707,7 +1707,7 @@
           <a:p>
             <a:fld id="{7E1394AA-CB88-43C1-A50B-E1747EAA0E3F}" type="datetimeFigureOut">
               <a:rPr lang="en-IN" smtClean="0"/>
-              <a:t>21-04-2020</a:t>
+              <a:t>16-08-2020</a:t>
             </a:fld>
             <a:endParaRPr lang="en-IN" dirty="0"/>
           </a:p>
@@ -2074,7 +2074,7 @@
           <a:p>
             <a:fld id="{7E1394AA-CB88-43C1-A50B-E1747EAA0E3F}" type="datetimeFigureOut">
               <a:rPr lang="en-IN" smtClean="0"/>
-              <a:t>21-04-2020</a:t>
+              <a:t>16-08-2020</a:t>
             </a:fld>
             <a:endParaRPr lang="en-IN" dirty="0"/>
           </a:p>
@@ -2192,7 +2192,7 @@
           <a:p>
             <a:fld id="{7E1394AA-CB88-43C1-A50B-E1747EAA0E3F}" type="datetimeFigureOut">
               <a:rPr lang="en-IN" smtClean="0"/>
-              <a:t>21-04-2020</a:t>
+              <a:t>16-08-2020</a:t>
             </a:fld>
             <a:endParaRPr lang="en-IN" dirty="0"/>
           </a:p>
@@ -2287,7 +2287,7 @@
           <a:p>
             <a:fld id="{7E1394AA-CB88-43C1-A50B-E1747EAA0E3F}" type="datetimeFigureOut">
               <a:rPr lang="en-IN" smtClean="0"/>
-              <a:t>21-04-2020</a:t>
+              <a:t>16-08-2020</a:t>
             </a:fld>
             <a:endParaRPr lang="en-IN" dirty="0"/>
           </a:p>
@@ -2564,7 +2564,7 @@
           <a:p>
             <a:fld id="{7E1394AA-CB88-43C1-A50B-E1747EAA0E3F}" type="datetimeFigureOut">
               <a:rPr lang="en-IN" smtClean="0"/>
-              <a:t>21-04-2020</a:t>
+              <a:t>16-08-2020</a:t>
             </a:fld>
             <a:endParaRPr lang="en-IN" dirty="0"/>
           </a:p>
@@ -2817,7 +2817,7 @@
           <a:p>
             <a:fld id="{7E1394AA-CB88-43C1-A50B-E1747EAA0E3F}" type="datetimeFigureOut">
               <a:rPr lang="en-IN" smtClean="0"/>
-              <a:t>21-04-2020</a:t>
+              <a:t>16-08-2020</a:t>
             </a:fld>
             <a:endParaRPr lang="en-IN" dirty="0"/>
           </a:p>
@@ -3030,7 +3030,7 @@
           <a:p>
             <a:fld id="{7E1394AA-CB88-43C1-A50B-E1747EAA0E3F}" type="datetimeFigureOut">
               <a:rPr lang="en-IN" smtClean="0"/>
-              <a:t>21-04-2020</a:t>
+              <a:t>16-08-2020</a:t>
             </a:fld>
             <a:endParaRPr lang="en-IN" dirty="0"/>
           </a:p>
